--- a/docs/songs/the lion and the lamb.pptx
+++ b/docs/songs/the lion and the lamb.pptx
@@ -8,10 +8,9 @@
     <p:sldId id="446" r:id="rId2"/>
     <p:sldId id="338" r:id="rId3"/>
     <p:sldId id="339" r:id="rId4"/>
-    <p:sldId id="351" r:id="rId5"/>
-    <p:sldId id="392" r:id="rId6"/>
+    <p:sldId id="1228" r:id="rId5"/>
+    <p:sldId id="351" r:id="rId6"/>
     <p:sldId id="393" r:id="rId7"/>
-    <p:sldId id="394" r:id="rId8"/>
   </p:sldIdLst>
   <p:sldSz cx="9144000" cy="6858000" type="screen4x3"/>
   <p:notesSz cx="6858000" cy="9144000"/>
@@ -311,7 +310,7 @@
             <a:fld id="{26EA1CF3-4A15-4CBF-9A5A-6A56C368BE71}" type="datetimeFigureOut">
               <a:rPr lang="en-GB" smtClean="0"/>
               <a:pPr/>
-              <a:t>03/10/2022</a:t>
+              <a:t>29/05/2024</a:t>
             </a:fld>
             <a:endParaRPr lang="en-GB"/>
           </a:p>
@@ -478,7 +477,7 @@
             <a:fld id="{26EA1CF3-4A15-4CBF-9A5A-6A56C368BE71}" type="datetimeFigureOut">
               <a:rPr lang="en-GB" smtClean="0"/>
               <a:pPr/>
-              <a:t>03/10/2022</a:t>
+              <a:t>29/05/2024</a:t>
             </a:fld>
             <a:endParaRPr lang="en-GB"/>
           </a:p>
@@ -655,7 +654,7 @@
             <a:fld id="{26EA1CF3-4A15-4CBF-9A5A-6A56C368BE71}" type="datetimeFigureOut">
               <a:rPr lang="en-GB" smtClean="0"/>
               <a:pPr/>
-              <a:t>03/10/2022</a:t>
+              <a:t>29/05/2024</a:t>
             </a:fld>
             <a:endParaRPr lang="en-GB"/>
           </a:p>
@@ -822,7 +821,7 @@
             <a:fld id="{26EA1CF3-4A15-4CBF-9A5A-6A56C368BE71}" type="datetimeFigureOut">
               <a:rPr lang="en-GB" smtClean="0"/>
               <a:pPr/>
-              <a:t>03/10/2022</a:t>
+              <a:t>29/05/2024</a:t>
             </a:fld>
             <a:endParaRPr lang="en-GB"/>
           </a:p>
@@ -1065,7 +1064,7 @@
             <a:fld id="{26EA1CF3-4A15-4CBF-9A5A-6A56C368BE71}" type="datetimeFigureOut">
               <a:rPr lang="en-GB" smtClean="0"/>
               <a:pPr/>
-              <a:t>03/10/2022</a:t>
+              <a:t>29/05/2024</a:t>
             </a:fld>
             <a:endParaRPr lang="en-GB"/>
           </a:p>
@@ -1350,7 +1349,7 @@
             <a:fld id="{26EA1CF3-4A15-4CBF-9A5A-6A56C368BE71}" type="datetimeFigureOut">
               <a:rPr lang="en-GB" smtClean="0"/>
               <a:pPr/>
-              <a:t>03/10/2022</a:t>
+              <a:t>29/05/2024</a:t>
             </a:fld>
             <a:endParaRPr lang="en-GB"/>
           </a:p>
@@ -1769,7 +1768,7 @@
             <a:fld id="{26EA1CF3-4A15-4CBF-9A5A-6A56C368BE71}" type="datetimeFigureOut">
               <a:rPr lang="en-GB" smtClean="0"/>
               <a:pPr/>
-              <a:t>03/10/2022</a:t>
+              <a:t>29/05/2024</a:t>
             </a:fld>
             <a:endParaRPr lang="en-GB"/>
           </a:p>
@@ -1884,7 +1883,7 @@
             <a:fld id="{26EA1CF3-4A15-4CBF-9A5A-6A56C368BE71}" type="datetimeFigureOut">
               <a:rPr lang="en-GB" smtClean="0"/>
               <a:pPr/>
-              <a:t>03/10/2022</a:t>
+              <a:t>29/05/2024</a:t>
             </a:fld>
             <a:endParaRPr lang="en-GB"/>
           </a:p>
@@ -1976,7 +1975,7 @@
             <a:fld id="{26EA1CF3-4A15-4CBF-9A5A-6A56C368BE71}" type="datetimeFigureOut">
               <a:rPr lang="en-GB" smtClean="0"/>
               <a:pPr/>
-              <a:t>03/10/2022</a:t>
+              <a:t>29/05/2024</a:t>
             </a:fld>
             <a:endParaRPr lang="en-GB"/>
           </a:p>
@@ -2250,7 +2249,7 @@
             <a:fld id="{26EA1CF3-4A15-4CBF-9A5A-6A56C368BE71}" type="datetimeFigureOut">
               <a:rPr lang="en-GB" smtClean="0"/>
               <a:pPr/>
-              <a:t>03/10/2022</a:t>
+              <a:t>29/05/2024</a:t>
             </a:fld>
             <a:endParaRPr lang="en-GB"/>
           </a:p>
@@ -2500,7 +2499,7 @@
             <a:fld id="{26EA1CF3-4A15-4CBF-9A5A-6A56C368BE71}" type="datetimeFigureOut">
               <a:rPr lang="en-GB" smtClean="0"/>
               <a:pPr/>
-              <a:t>03/10/2022</a:t>
+              <a:t>29/05/2024</a:t>
             </a:fld>
             <a:endParaRPr lang="en-GB"/>
           </a:p>
@@ -2713,7 +2712,7 @@
             <a:fld id="{26EA1CF3-4A15-4CBF-9A5A-6A56C368BE71}" type="datetimeFigureOut">
               <a:rPr lang="en-GB" smtClean="0"/>
               <a:pPr/>
-              <a:t>03/10/2022</a:t>
+              <a:t>29/05/2024</a:t>
             </a:fld>
             <a:endParaRPr lang="en-GB"/>
           </a:p>
@@ -3114,7 +3113,7 @@
           </a:p>
           <a:p>
             <a:r>
-              <a:rPr lang="en-GB" sz="9600" dirty="0"/>
+              <a:rPr lang="en-GB" sz="4800" dirty="0"/>
               <a:t>The Lion And The Lamb</a:t>
             </a:r>
           </a:p>
@@ -3266,7 +3265,7 @@
         </p:nvSpPr>
         <p:spPr>
           <a:xfrm>
-            <a:off x="323528" y="188640"/>
+            <a:off x="251520" y="692696"/>
             <a:ext cx="8640960" cy="6480720"/>
           </a:xfrm>
         </p:spPr>
@@ -3277,7 +3276,7 @@
           <a:lstStyle/>
           <a:p>
             <a:r>
-              <a:rPr lang="en-GB" sz="5400" dirty="0">
+              <a:rPr lang="en-GB" sz="4400" dirty="0">
                 <a:solidFill>
                   <a:schemeClr val="bg1"/>
                 </a:solidFill>
@@ -3285,14 +3284,14 @@
               <a:t>He's coming on the clouds</a:t>
             </a:r>
             <a:br>
-              <a:rPr lang="en-GB" sz="5400" dirty="0">
+              <a:rPr lang="en-GB" sz="4400" dirty="0">
                 <a:solidFill>
                   <a:schemeClr val="bg1"/>
                 </a:solidFill>
               </a:rPr>
             </a:br>
             <a:r>
-              <a:rPr lang="en-GB" sz="5400" dirty="0">
+              <a:rPr lang="en-GB" sz="4400" dirty="0">
                 <a:solidFill>
                   <a:schemeClr val="bg1"/>
                 </a:solidFill>
@@ -3300,14 +3299,14 @@
               <a:t>Kings and kingdoms will bow down</a:t>
             </a:r>
             <a:br>
-              <a:rPr lang="en-GB" sz="5400" dirty="0">
+              <a:rPr lang="en-GB" sz="4400" dirty="0">
                 <a:solidFill>
                   <a:schemeClr val="bg1"/>
                 </a:solidFill>
               </a:rPr>
             </a:br>
             <a:r>
-              <a:rPr lang="en-GB" sz="5400" dirty="0">
+              <a:rPr lang="en-GB" sz="4400" dirty="0">
                 <a:solidFill>
                   <a:schemeClr val="bg1"/>
                 </a:solidFill>
@@ -3315,14 +3314,14 @@
               <a:t>And every chain will break</a:t>
             </a:r>
             <a:br>
-              <a:rPr lang="en-GB" sz="5400" dirty="0">
+              <a:rPr lang="en-GB" sz="4400" dirty="0">
                 <a:solidFill>
                   <a:schemeClr val="bg1"/>
                 </a:solidFill>
               </a:rPr>
             </a:br>
             <a:r>
-              <a:rPr lang="en-GB" sz="5400" dirty="0">
+              <a:rPr lang="en-GB" sz="4400" dirty="0">
                 <a:solidFill>
                   <a:schemeClr val="bg1"/>
                 </a:solidFill>
@@ -3330,25 +3329,20 @@
               <a:t>As broken hearts declare His praise</a:t>
             </a:r>
             <a:br>
-              <a:rPr lang="en-GB" sz="5400" dirty="0">
+              <a:rPr lang="en-GB" sz="4400" dirty="0">
                 <a:solidFill>
                   <a:schemeClr val="bg1"/>
                 </a:solidFill>
               </a:rPr>
             </a:br>
             <a:r>
-              <a:rPr lang="en-GB" sz="5400" dirty="0">
+              <a:rPr lang="en-GB" sz="4400" dirty="0">
                 <a:solidFill>
                   <a:schemeClr val="bg1"/>
                 </a:solidFill>
               </a:rPr>
               <a:t>For who can stop the Lord Almighty</a:t>
             </a:r>
-            <a:endParaRPr lang="en-GB" sz="5000" dirty="0">
-              <a:solidFill>
-                <a:schemeClr val="bg1"/>
-              </a:solidFill>
-            </a:endParaRPr>
           </a:p>
         </p:txBody>
       </p:sp>
@@ -3380,7 +3374,7 @@
                   <a:schemeClr val="bg1"/>
                 </a:solidFill>
               </a:rPr>
-              <a:t>1/6</a:t>
+              <a:t>1/5</a:t>
             </a:r>
           </a:p>
         </p:txBody>
@@ -3422,8 +3416,8 @@
         </p:nvSpPr>
         <p:spPr>
           <a:xfrm>
-            <a:off x="323528" y="0"/>
-            <a:ext cx="8640960" cy="6480720"/>
+            <a:off x="323528" y="836712"/>
+            <a:ext cx="8640960" cy="5644008"/>
           </a:xfrm>
         </p:spPr>
         <p:txBody>
@@ -3484,88 +3478,6 @@
                 </a:solidFill>
               </a:rPr>
               <a:t>And every knee will bow before Him</a:t>
-            </a:r>
-            <a:br>
-              <a:rPr lang="en-GB" sz="3700" dirty="0">
-                <a:solidFill>
-                  <a:schemeClr val="bg1"/>
-                </a:solidFill>
-              </a:rPr>
-            </a:br>
-            <a:br>
-              <a:rPr lang="en-GB" sz="3700" dirty="0">
-                <a:solidFill>
-                  <a:schemeClr val="bg1"/>
-                </a:solidFill>
-              </a:rPr>
-            </a:br>
-            <a:r>
-              <a:rPr lang="en-GB" sz="3700" dirty="0">
-                <a:solidFill>
-                  <a:schemeClr val="bg1"/>
-                </a:solidFill>
-              </a:rPr>
-              <a:t>Our God is the Lamb, the Lamb that was slain</a:t>
-            </a:r>
-            <a:br>
-              <a:rPr lang="en-GB" sz="3700" dirty="0">
-                <a:solidFill>
-                  <a:schemeClr val="bg1"/>
-                </a:solidFill>
-              </a:rPr>
-            </a:br>
-            <a:r>
-              <a:rPr lang="en-GB" sz="3700" dirty="0">
-                <a:solidFill>
-                  <a:schemeClr val="bg1"/>
-                </a:solidFill>
-              </a:rPr>
-              <a:t>For the sins of the world</a:t>
-            </a:r>
-            <a:br>
-              <a:rPr lang="en-GB" sz="3700" dirty="0">
-                <a:solidFill>
-                  <a:schemeClr val="bg1"/>
-                </a:solidFill>
-              </a:rPr>
-            </a:br>
-            <a:r>
-              <a:rPr lang="en-GB" sz="3700" dirty="0">
-                <a:solidFill>
-                  <a:schemeClr val="bg1"/>
-                </a:solidFill>
-              </a:rPr>
-              <a:t>His blood breaks the chains</a:t>
-            </a:r>
-            <a:br>
-              <a:rPr lang="en-GB" sz="3700" dirty="0">
-                <a:solidFill>
-                  <a:schemeClr val="bg1"/>
-                </a:solidFill>
-              </a:rPr>
-            </a:br>
-            <a:r>
-              <a:rPr lang="en-GB" sz="3700" dirty="0">
-                <a:solidFill>
-                  <a:schemeClr val="bg1"/>
-                </a:solidFill>
-              </a:rPr>
-              <a:t>And every knee will bow before the Lion and the Lamb</a:t>
-            </a:r>
-            <a:br>
-              <a:rPr lang="en-GB" sz="3700" dirty="0">
-                <a:solidFill>
-                  <a:schemeClr val="bg1"/>
-                </a:solidFill>
-              </a:rPr>
-            </a:br>
-            <a:r>
-              <a:rPr lang="en-GB" sz="3700" dirty="0">
-                <a:solidFill>
-                  <a:schemeClr val="bg1"/>
-                </a:solidFill>
-              </a:rPr>
-              <a:t>Every knee will bow before Him</a:t>
             </a:r>
           </a:p>
         </p:txBody>
@@ -3598,7 +3510,7 @@
                   <a:schemeClr val="bg1"/>
                 </a:solidFill>
               </a:rPr>
-              <a:t>2/6</a:t>
+              <a:t>2/5</a:t>
             </a:r>
           </a:p>
         </p:txBody>
@@ -3640,7 +3552,7 @@
         </p:nvSpPr>
         <p:spPr>
           <a:xfrm>
-            <a:off x="323528" y="116632"/>
+            <a:off x="251520" y="908720"/>
             <a:ext cx="8640960" cy="6480720"/>
           </a:xfrm>
         </p:spPr>
@@ -3651,85 +3563,73 @@
           <a:lstStyle/>
           <a:p>
             <a:r>
-              <a:rPr lang="en-GB" sz="4800" dirty="0">
-                <a:solidFill>
-                  <a:schemeClr val="bg1"/>
-                </a:solidFill>
-              </a:rPr>
-              <a:t>So open up the gates</a:t>
+              <a:rPr lang="en-GB" sz="3700" dirty="0">
+                <a:solidFill>
+                  <a:schemeClr val="bg1"/>
+                </a:solidFill>
+              </a:rPr>
+              <a:t>Our God is the Lamb, the Lamb that was slain</a:t>
             </a:r>
             <a:br>
-              <a:rPr lang="en-GB" sz="4800" dirty="0">
+              <a:rPr lang="en-GB" sz="3700" dirty="0">
                 <a:solidFill>
                   <a:schemeClr val="bg1"/>
                 </a:solidFill>
               </a:rPr>
             </a:br>
             <a:r>
-              <a:rPr lang="en-GB" sz="4800" dirty="0">
-                <a:solidFill>
-                  <a:schemeClr val="bg1"/>
-                </a:solidFill>
-              </a:rPr>
-              <a:t>Make way before the King of kings</a:t>
+              <a:rPr lang="en-GB" sz="3700" dirty="0">
+                <a:solidFill>
+                  <a:schemeClr val="bg1"/>
+                </a:solidFill>
+              </a:rPr>
+              <a:t>For the sins of the world</a:t>
             </a:r>
             <a:br>
-              <a:rPr lang="en-GB" sz="4800" dirty="0">
+              <a:rPr lang="en-GB" sz="3700" dirty="0">
                 <a:solidFill>
                   <a:schemeClr val="bg1"/>
                 </a:solidFill>
               </a:rPr>
             </a:br>
             <a:r>
-              <a:rPr lang="en-GB" sz="4800" dirty="0">
-                <a:solidFill>
-                  <a:schemeClr val="bg1"/>
-                </a:solidFill>
-              </a:rPr>
-              <a:t>The God who comes to save</a:t>
+              <a:rPr lang="en-GB" sz="3700" dirty="0">
+                <a:solidFill>
+                  <a:schemeClr val="bg1"/>
+                </a:solidFill>
+              </a:rPr>
+              <a:t>His blood breaks the chains</a:t>
             </a:r>
             <a:br>
-              <a:rPr lang="en-GB" sz="4800" dirty="0">
+              <a:rPr lang="en-GB" sz="3700" dirty="0">
                 <a:solidFill>
                   <a:schemeClr val="bg1"/>
                 </a:solidFill>
               </a:rPr>
             </a:br>
             <a:r>
-              <a:rPr lang="en-GB" sz="4800" dirty="0">
-                <a:solidFill>
-                  <a:schemeClr val="bg1"/>
-                </a:solidFill>
-              </a:rPr>
-              <a:t>Is here to set the captives free</a:t>
+              <a:rPr lang="en-GB" sz="3700" dirty="0">
+                <a:solidFill>
+                  <a:schemeClr val="bg1"/>
+                </a:solidFill>
+              </a:rPr>
+              <a:t>And every knee will bow before the Lion and the Lamb</a:t>
             </a:r>
             <a:br>
-              <a:rPr lang="en-GB" sz="4800" dirty="0">
+              <a:rPr lang="en-GB" sz="3700" dirty="0">
                 <a:solidFill>
                   <a:schemeClr val="bg1"/>
                 </a:solidFill>
               </a:rPr>
             </a:br>
             <a:r>
-              <a:rPr lang="en-GB" sz="4800" dirty="0">
-                <a:solidFill>
-                  <a:schemeClr val="bg1"/>
-                </a:solidFill>
-              </a:rPr>
-              <a:t>For who can stop the Lord Almighty</a:t>
-            </a:r>
-            <a:br>
-              <a:rPr lang="en-GB" sz="4800" dirty="0">
-                <a:solidFill>
-                  <a:schemeClr val="bg1"/>
-                </a:solidFill>
-              </a:rPr>
-            </a:br>
-            <a:endParaRPr lang="en-GB" sz="4600" dirty="0">
-              <a:solidFill>
-                <a:schemeClr val="bg1"/>
-              </a:solidFill>
-            </a:endParaRPr>
+              <a:rPr lang="en-GB" sz="3700" dirty="0">
+                <a:solidFill>
+                  <a:schemeClr val="bg1"/>
+                </a:solidFill>
+              </a:rPr>
+              <a:t>Every knee will bow before Him</a:t>
+            </a:r>
           </a:p>
         </p:txBody>
       </p:sp>
@@ -3761,12 +3661,17 @@
                   <a:schemeClr val="bg1"/>
                 </a:solidFill>
               </a:rPr>
-              <a:t>3/6</a:t>
+              <a:t>3/5</a:t>
             </a:r>
           </a:p>
         </p:txBody>
       </p:sp>
     </p:spTree>
+    <p:extLst>
+      <p:ext uri="{BB962C8B-B14F-4D97-AF65-F5344CB8AC3E}">
+        <p14:creationId xmlns:p14="http://schemas.microsoft.com/office/powerpoint/2010/main" val="2511055870"/>
+      </p:ext>
+    </p:extLst>
   </p:cSld>
   <p:clrMapOvr>
     <a:masterClrMapping/>
@@ -3803,7 +3708,7 @@
         </p:nvSpPr>
         <p:spPr>
           <a:xfrm>
-            <a:off x="323528" y="0"/>
+            <a:off x="260268" y="692696"/>
             <a:ext cx="8640960" cy="6480720"/>
           </a:xfrm>
         </p:spPr>
@@ -3814,140 +3719,85 @@
           <a:lstStyle/>
           <a:p>
             <a:r>
-              <a:rPr lang="en-GB" sz="3700" dirty="0">
-                <a:solidFill>
-                  <a:schemeClr val="bg1"/>
-                </a:solidFill>
-              </a:rPr>
-              <a:t>Our God is the Lion, the Lion of Judah</a:t>
+              <a:rPr lang="en-GB" sz="4400" dirty="0">
+                <a:solidFill>
+                  <a:schemeClr val="bg1"/>
+                </a:solidFill>
+              </a:rPr>
+              <a:t>So open up the gates</a:t>
             </a:r>
             <a:br>
-              <a:rPr lang="en-GB" sz="3700" dirty="0">
+              <a:rPr lang="en-GB" sz="4400" dirty="0">
                 <a:solidFill>
                   <a:schemeClr val="bg1"/>
                 </a:solidFill>
               </a:rPr>
             </a:br>
             <a:r>
-              <a:rPr lang="en-GB" sz="3700" dirty="0">
-                <a:solidFill>
-                  <a:schemeClr val="bg1"/>
-                </a:solidFill>
-              </a:rPr>
-              <a:t>He's roaring with power</a:t>
+              <a:rPr lang="en-GB" sz="4400" dirty="0">
+                <a:solidFill>
+                  <a:schemeClr val="bg1"/>
+                </a:solidFill>
+              </a:rPr>
+              <a:t>Make way before the King of kings</a:t>
             </a:r>
             <a:br>
-              <a:rPr lang="en-GB" sz="3700" dirty="0">
+              <a:rPr lang="en-GB" sz="4400" dirty="0">
                 <a:solidFill>
                   <a:schemeClr val="bg1"/>
                 </a:solidFill>
               </a:rPr>
             </a:br>
             <a:r>
-              <a:rPr lang="en-GB" sz="3700" dirty="0">
-                <a:solidFill>
-                  <a:schemeClr val="bg1"/>
-                </a:solidFill>
-              </a:rPr>
-              <a:t>And fighting our battles</a:t>
+              <a:rPr lang="en-GB" sz="4400" dirty="0">
+                <a:solidFill>
+                  <a:schemeClr val="bg1"/>
+                </a:solidFill>
+              </a:rPr>
+              <a:t>The God who comes to save</a:t>
             </a:r>
             <a:br>
-              <a:rPr lang="en-GB" sz="3700" dirty="0">
+              <a:rPr lang="en-GB" sz="4400" dirty="0">
                 <a:solidFill>
                   <a:schemeClr val="bg1"/>
                 </a:solidFill>
               </a:rPr>
             </a:br>
             <a:r>
-              <a:rPr lang="en-GB" sz="3700" dirty="0">
-                <a:solidFill>
-                  <a:schemeClr val="bg1"/>
-                </a:solidFill>
-              </a:rPr>
-              <a:t>And every knee will bow before Him</a:t>
+              <a:rPr lang="en-GB" sz="4400" dirty="0">
+                <a:solidFill>
+                  <a:schemeClr val="bg1"/>
+                </a:solidFill>
+              </a:rPr>
+              <a:t>Is here to set the captives free</a:t>
             </a:r>
             <a:br>
-              <a:rPr lang="en-GB" sz="3700" dirty="0">
+              <a:rPr lang="en-GB" sz="4400" dirty="0">
                 <a:solidFill>
                   <a:schemeClr val="bg1"/>
                 </a:solidFill>
               </a:rPr>
             </a:br>
+            <a:r>
+              <a:rPr lang="en-GB" sz="4400" dirty="0">
+                <a:solidFill>
+                  <a:schemeClr val="bg1"/>
+                </a:solidFill>
+              </a:rPr>
+              <a:t>For who can stop the Lord Almighty</a:t>
+            </a:r>
             <a:br>
-              <a:rPr lang="en-GB" sz="3700" dirty="0">
+              <a:rPr lang="en-GB" sz="4400" dirty="0">
                 <a:solidFill>
                   <a:schemeClr val="bg1"/>
                 </a:solidFill>
               </a:rPr>
             </a:br>
-            <a:r>
-              <a:rPr lang="en-GB" sz="3700" dirty="0">
-                <a:solidFill>
-                  <a:schemeClr val="bg1"/>
-                </a:solidFill>
-              </a:rPr>
-              <a:t>Our God is the Lamb, the Lamb that was slain</a:t>
-            </a:r>
-            <a:br>
-              <a:rPr lang="en-GB" sz="3700" dirty="0">
-                <a:solidFill>
-                  <a:schemeClr val="bg1"/>
-                </a:solidFill>
-              </a:rPr>
-            </a:br>
-            <a:r>
-              <a:rPr lang="en-GB" sz="3700" dirty="0">
-                <a:solidFill>
-                  <a:schemeClr val="bg1"/>
-                </a:solidFill>
-              </a:rPr>
-              <a:t>For the sins of the world</a:t>
-            </a:r>
-            <a:br>
-              <a:rPr lang="en-GB" sz="3700" dirty="0">
-                <a:solidFill>
-                  <a:schemeClr val="bg1"/>
-                </a:solidFill>
-              </a:rPr>
-            </a:br>
-            <a:r>
-              <a:rPr lang="en-GB" sz="3700" dirty="0">
-                <a:solidFill>
-                  <a:schemeClr val="bg1"/>
-                </a:solidFill>
-              </a:rPr>
-              <a:t>His blood breaks the chains</a:t>
-            </a:r>
-            <a:br>
-              <a:rPr lang="en-GB" sz="3700" dirty="0">
-                <a:solidFill>
-                  <a:schemeClr val="bg1"/>
-                </a:solidFill>
-              </a:rPr>
-            </a:br>
-            <a:r>
-              <a:rPr lang="en-GB" sz="3700" dirty="0">
-                <a:solidFill>
-                  <a:schemeClr val="bg1"/>
-                </a:solidFill>
-              </a:rPr>
-              <a:t>And every knee will bow before the Lion and the Lamb</a:t>
-            </a:r>
-            <a:br>
-              <a:rPr lang="en-GB" sz="3700" dirty="0">
-                <a:solidFill>
-                  <a:schemeClr val="bg1"/>
-                </a:solidFill>
-              </a:rPr>
-            </a:br>
-            <a:r>
-              <a:rPr lang="en-GB" sz="3700" dirty="0">
-                <a:solidFill>
-                  <a:schemeClr val="bg1"/>
-                </a:solidFill>
-              </a:rPr>
-              <a:t>Every knee will bow before Him</a:t>
-            </a:r>
+            <a:endParaRPr lang="en-GB" sz="4400" dirty="0">
+              <a:solidFill>
+                <a:schemeClr val="bg1"/>
+              </a:solidFill>
+            </a:endParaRPr>
           </a:p>
         </p:txBody>
       </p:sp>
@@ -3979,7 +3829,7 @@
                   <a:schemeClr val="bg1"/>
                 </a:solidFill>
               </a:rPr>
-              <a:t>4/6</a:t>
+              <a:t>4/5</a:t>
             </a:r>
           </a:p>
         </p:txBody>
@@ -4038,20 +3888,6 @@
             </a:endParaRPr>
           </a:p>
           <a:p>
-            <a:endParaRPr lang="en-GB" sz="4800" dirty="0">
-              <a:solidFill>
-                <a:schemeClr val="bg1"/>
-              </a:solidFill>
-            </a:endParaRPr>
-          </a:p>
-          <a:p>
-            <a:endParaRPr lang="en-GB" sz="4800" dirty="0">
-              <a:solidFill>
-                <a:schemeClr val="bg1"/>
-              </a:solidFill>
-            </a:endParaRPr>
-          </a:p>
-          <a:p>
             <a:r>
               <a:rPr lang="en-GB" sz="4400" dirty="0">
                 <a:solidFill>
@@ -4125,225 +3961,7 @@
                   <a:schemeClr val="bg1"/>
                 </a:solidFill>
               </a:rPr>
-              <a:t>5/6</a:t>
-            </a:r>
-          </a:p>
-        </p:txBody>
-      </p:sp>
-    </p:spTree>
-  </p:cSld>
-  <p:clrMapOvr>
-    <a:masterClrMapping/>
-  </p:clrMapOvr>
-</p:sld>
-</file>
-
-<file path=ppt/slides/slide7.xml><?xml version="1.0" encoding="utf-8"?>
-<p:sld xmlns:a="http://schemas.openxmlformats.org/drawingml/2006/main" xmlns:r="http://schemas.openxmlformats.org/officeDocument/2006/relationships" xmlns:p="http://schemas.openxmlformats.org/presentationml/2006/main">
-  <p:cSld>
-    <p:spTree>
-      <p:nvGrpSpPr>
-        <p:cNvPr id="1" name=""/>
-        <p:cNvGrpSpPr/>
-        <p:nvPr/>
-      </p:nvGrpSpPr>
-      <p:grpSpPr>
-        <a:xfrm>
-          <a:off x="0" y="0"/>
-          <a:ext cx="0" cy="0"/>
-          <a:chOff x="0" y="0"/>
-          <a:chExt cx="0" cy="0"/>
-        </a:xfrm>
-      </p:grpSpPr>
-      <p:sp>
-        <p:nvSpPr>
-          <p:cNvPr id="3" name="Subtitle 2"/>
-          <p:cNvSpPr>
-            <a:spLocks noGrp="1"/>
-          </p:cNvSpPr>
-          <p:nvPr>
-            <p:ph type="subTitle" idx="1"/>
-          </p:nvPr>
-        </p:nvSpPr>
-        <p:spPr>
-          <a:xfrm>
-            <a:off x="323528" y="0"/>
-            <a:ext cx="8640960" cy="6480720"/>
-          </a:xfrm>
-        </p:spPr>
-        <p:txBody>
-          <a:bodyPr>
-            <a:noAutofit/>
-          </a:bodyPr>
-          <a:lstStyle/>
-          <a:p>
-            <a:r>
-              <a:rPr lang="en-GB" sz="3700" dirty="0">
-                <a:solidFill>
-                  <a:schemeClr val="bg1"/>
-                </a:solidFill>
-              </a:rPr>
-              <a:t>Our God is the Lion, the Lion of Judah</a:t>
-            </a:r>
-            <a:br>
-              <a:rPr lang="en-GB" sz="3700" dirty="0">
-                <a:solidFill>
-                  <a:schemeClr val="bg1"/>
-                </a:solidFill>
-              </a:rPr>
-            </a:br>
-            <a:r>
-              <a:rPr lang="en-GB" sz="3700" dirty="0">
-                <a:solidFill>
-                  <a:schemeClr val="bg1"/>
-                </a:solidFill>
-              </a:rPr>
-              <a:t>He's roaring with power</a:t>
-            </a:r>
-            <a:br>
-              <a:rPr lang="en-GB" sz="3700" dirty="0">
-                <a:solidFill>
-                  <a:schemeClr val="bg1"/>
-                </a:solidFill>
-              </a:rPr>
-            </a:br>
-            <a:r>
-              <a:rPr lang="en-GB" sz="3700" dirty="0">
-                <a:solidFill>
-                  <a:schemeClr val="bg1"/>
-                </a:solidFill>
-              </a:rPr>
-              <a:t>And fighting our battles</a:t>
-            </a:r>
-            <a:br>
-              <a:rPr lang="en-GB" sz="3700" dirty="0">
-                <a:solidFill>
-                  <a:schemeClr val="bg1"/>
-                </a:solidFill>
-              </a:rPr>
-            </a:br>
-            <a:r>
-              <a:rPr lang="en-GB" sz="3700" dirty="0">
-                <a:solidFill>
-                  <a:schemeClr val="bg1"/>
-                </a:solidFill>
-              </a:rPr>
-              <a:t>And every knee will bow before Him</a:t>
-            </a:r>
-            <a:br>
-              <a:rPr lang="en-GB" sz="3700" dirty="0">
-                <a:solidFill>
-                  <a:schemeClr val="bg1"/>
-                </a:solidFill>
-              </a:rPr>
-            </a:br>
-            <a:br>
-              <a:rPr lang="en-GB" sz="3700" dirty="0">
-                <a:solidFill>
-                  <a:schemeClr val="bg1"/>
-                </a:solidFill>
-              </a:rPr>
-            </a:br>
-            <a:r>
-              <a:rPr lang="en-GB" sz="3700" dirty="0">
-                <a:solidFill>
-                  <a:schemeClr val="bg1"/>
-                </a:solidFill>
-              </a:rPr>
-              <a:t>Our God is the Lamb, the Lamb that was slain</a:t>
-            </a:r>
-            <a:br>
-              <a:rPr lang="en-GB" sz="3700" dirty="0">
-                <a:solidFill>
-                  <a:schemeClr val="bg1"/>
-                </a:solidFill>
-              </a:rPr>
-            </a:br>
-            <a:r>
-              <a:rPr lang="en-GB" sz="3700" dirty="0">
-                <a:solidFill>
-                  <a:schemeClr val="bg1"/>
-                </a:solidFill>
-              </a:rPr>
-              <a:t>For the sins of the world</a:t>
-            </a:r>
-            <a:br>
-              <a:rPr lang="en-GB" sz="3700" dirty="0">
-                <a:solidFill>
-                  <a:schemeClr val="bg1"/>
-                </a:solidFill>
-              </a:rPr>
-            </a:br>
-            <a:r>
-              <a:rPr lang="en-GB" sz="3700" dirty="0">
-                <a:solidFill>
-                  <a:schemeClr val="bg1"/>
-                </a:solidFill>
-              </a:rPr>
-              <a:t>His blood breaks the chains</a:t>
-            </a:r>
-            <a:br>
-              <a:rPr lang="en-GB" sz="3700" dirty="0">
-                <a:solidFill>
-                  <a:schemeClr val="bg1"/>
-                </a:solidFill>
-              </a:rPr>
-            </a:br>
-            <a:r>
-              <a:rPr lang="en-GB" sz="3700" dirty="0">
-                <a:solidFill>
-                  <a:schemeClr val="bg1"/>
-                </a:solidFill>
-              </a:rPr>
-              <a:t>And every knee will bow before the Lion and the Lamb</a:t>
-            </a:r>
-            <a:br>
-              <a:rPr lang="en-GB" sz="3700" dirty="0">
-                <a:solidFill>
-                  <a:schemeClr val="bg1"/>
-                </a:solidFill>
-              </a:rPr>
-            </a:br>
-            <a:r>
-              <a:rPr lang="en-GB" sz="3700" dirty="0">
-                <a:solidFill>
-                  <a:schemeClr val="bg1"/>
-                </a:solidFill>
-              </a:rPr>
-              <a:t>Every knee will bow before Him</a:t>
-            </a:r>
-          </a:p>
-        </p:txBody>
-      </p:sp>
-      <p:sp>
-        <p:nvSpPr>
-          <p:cNvPr id="4" name="TextBox 3"/>
-          <p:cNvSpPr txBox="1"/>
-          <p:nvPr/>
-        </p:nvSpPr>
-        <p:spPr>
-          <a:xfrm>
-            <a:off x="8529729" y="0"/>
-            <a:ext cx="628698" cy="461665"/>
-          </a:xfrm>
-          <a:prstGeom prst="rect">
-            <a:avLst/>
-          </a:prstGeom>
-          <a:noFill/>
-        </p:spPr>
-        <p:txBody>
-          <a:bodyPr wrap="none" rtlCol="0">
-            <a:spAutoFit/>
-          </a:bodyPr>
-          <a:lstStyle/>
-          <a:p>
-            <a:r>
-              <a:rPr lang="en-GB" sz="2400" b="1" dirty="0">
-                <a:solidFill>
-                  <a:schemeClr val="bg1"/>
-                </a:solidFill>
-              </a:rPr>
-              <a:t>6/6</a:t>
+              <a:t>5/5</a:t>
             </a:r>
           </a:p>
         </p:txBody>
